--- a/materials/07/07.pptx
+++ b/materials/07/07.pptx
@@ -229,7 +229,7 @@
           <a:p>
             <a:fld id="{5BBEC784-C0B9-4577-84F6-EF3E02AE5E59}" type="datetimeFigureOut">
               <a:rPr kumimoji="1" lang="ja-JP" altLang="en-US" smtClean="0"/>
-              <a:t>2019/2/5</a:t>
+              <a:t>2019/3/7</a:t>
             </a:fld>
             <a:endParaRPr kumimoji="1" lang="ja-JP" altLang="en-US"/>
           </a:p>
@@ -683,7 +683,7 @@
           <a:p>
             <a:fld id="{7BF98B17-CE4C-42DD-AEDB-B62939FBF2E8}" type="datetimeFigureOut">
               <a:rPr kumimoji="1" lang="ja-JP" altLang="en-US" smtClean="0"/>
-              <a:t>2019/2/5</a:t>
+              <a:t>2019/3/7</a:t>
             </a:fld>
             <a:endParaRPr kumimoji="1" lang="ja-JP" altLang="en-US"/>
           </a:p>
@@ -1752,7 +1752,7 @@
           <a:p>
             <a:fld id="{7BF98B17-CE4C-42DD-AEDB-B62939FBF2E8}" type="datetimeFigureOut">
               <a:rPr kumimoji="1" lang="ja-JP" altLang="en-US" smtClean="0"/>
-              <a:t>2019/2/5</a:t>
+              <a:t>2019/3/7</a:t>
             </a:fld>
             <a:endParaRPr kumimoji="1" lang="ja-JP" altLang="en-US"/>
           </a:p>
@@ -1964,7 +1964,7 @@
           <a:p>
             <a:fld id="{7BF98B17-CE4C-42DD-AEDB-B62939FBF2E8}" type="datetimeFigureOut">
               <a:rPr kumimoji="1" lang="ja-JP" altLang="en-US" smtClean="0"/>
-              <a:t>2019/2/5</a:t>
+              <a:t>2019/3/7</a:t>
             </a:fld>
             <a:endParaRPr kumimoji="1" lang="ja-JP" altLang="en-US"/>
           </a:p>
@@ -2279,7 +2279,7 @@
           <a:p>
             <a:fld id="{7BF98B17-CE4C-42DD-AEDB-B62939FBF2E8}" type="datetimeFigureOut">
               <a:rPr kumimoji="1" lang="ja-JP" altLang="en-US" smtClean="0"/>
-              <a:t>2019/2/5</a:t>
+              <a:t>2019/3/7</a:t>
             </a:fld>
             <a:endParaRPr kumimoji="1" lang="ja-JP" altLang="en-US"/>
           </a:p>
@@ -2575,7 +2575,7 @@
           <a:p>
             <a:fld id="{7BF98B17-CE4C-42DD-AEDB-B62939FBF2E8}" type="datetimeFigureOut">
               <a:rPr kumimoji="1" lang="ja-JP" altLang="en-US" smtClean="0"/>
-              <a:t>2019/2/5</a:t>
+              <a:t>2019/3/7</a:t>
             </a:fld>
             <a:endParaRPr kumimoji="1" lang="ja-JP" altLang="en-US"/>
           </a:p>
@@ -3006,7 +3006,7 @@
           <a:p>
             <a:fld id="{7BF98B17-CE4C-42DD-AEDB-B62939FBF2E8}" type="datetimeFigureOut">
               <a:rPr kumimoji="1" lang="ja-JP" altLang="en-US" smtClean="0"/>
-              <a:t>2019/2/5</a:t>
+              <a:t>2019/3/7</a:t>
             </a:fld>
             <a:endParaRPr kumimoji="1" lang="ja-JP" altLang="en-US"/>
           </a:p>
@@ -3124,7 +3124,7 @@
           <a:p>
             <a:fld id="{7BF98B17-CE4C-42DD-AEDB-B62939FBF2E8}" type="datetimeFigureOut">
               <a:rPr kumimoji="1" lang="ja-JP" altLang="en-US" smtClean="0"/>
-              <a:t>2019/2/5</a:t>
+              <a:t>2019/3/7</a:t>
             </a:fld>
             <a:endParaRPr kumimoji="1" lang="ja-JP" altLang="en-US"/>
           </a:p>
@@ -3219,7 +3219,7 @@
           <a:p>
             <a:fld id="{7BF98B17-CE4C-42DD-AEDB-B62939FBF2E8}" type="datetimeFigureOut">
               <a:rPr kumimoji="1" lang="ja-JP" altLang="en-US" smtClean="0"/>
-              <a:t>2019/2/5</a:t>
+              <a:t>2019/3/7</a:t>
             </a:fld>
             <a:endParaRPr kumimoji="1" lang="ja-JP" altLang="en-US"/>
           </a:p>
@@ -3528,7 +3528,7 @@
           <a:p>
             <a:fld id="{7BF98B17-CE4C-42DD-AEDB-B62939FBF2E8}" type="datetimeFigureOut">
               <a:rPr kumimoji="1" lang="ja-JP" altLang="en-US" smtClean="0"/>
-              <a:t>2019/2/5</a:t>
+              <a:t>2019/3/7</a:t>
             </a:fld>
             <a:endParaRPr kumimoji="1" lang="ja-JP" altLang="en-US"/>
           </a:p>
@@ -3785,7 +3785,7 @@
           <a:p>
             <a:fld id="{7BF98B17-CE4C-42DD-AEDB-B62939FBF2E8}" type="datetimeFigureOut">
               <a:rPr kumimoji="1" lang="ja-JP" altLang="en-US" smtClean="0"/>
-              <a:t>2019/2/5</a:t>
+              <a:t>2019/3/7</a:t>
             </a:fld>
             <a:endParaRPr kumimoji="1" lang="ja-JP" altLang="en-US"/>
           </a:p>
@@ -4030,7 +4030,7 @@
           <a:p>
             <a:fld id="{7BF98B17-CE4C-42DD-AEDB-B62939FBF2E8}" type="datetimeFigureOut">
               <a:rPr kumimoji="1" lang="ja-JP" altLang="en-US" smtClean="0"/>
-              <a:t>2019/2/5</a:t>
+              <a:t>2019/3/7</a:t>
             </a:fld>
             <a:endParaRPr kumimoji="1" lang="ja-JP" altLang="en-US"/>
           </a:p>
@@ -10309,7 +10309,7 @@
         </p:nvSpPr>
         <p:spPr>
           <a:xfrm>
-            <a:off x="8492444" y="5029837"/>
+            <a:off x="8452416" y="4638480"/>
             <a:ext cx="365806" cy="308418"/>
           </a:xfrm>
           <a:prstGeom prst="rect">
@@ -10324,12 +10324,12 @@
           <a:lstStyle/>
           <a:p>
             <a:r>
-              <a:rPr kumimoji="1" lang="ja-JP" altLang="en-US" b="1" dirty="0" smtClean="0">
+              <a:rPr lang="ja-JP" altLang="en-US" b="1" dirty="0">
                 <a:solidFill>
                   <a:srgbClr val="FF0000"/>
                 </a:solidFill>
               </a:rPr>
-              <a:t>⑤</a:t>
+              <a:t>③</a:t>
             </a:r>
             <a:endParaRPr kumimoji="1" lang="ja-JP" altLang="en-US" b="1" dirty="0">
               <a:solidFill>
@@ -10445,7 +10445,7 @@
         </p:nvSpPr>
         <p:spPr>
           <a:xfrm>
-            <a:off x="2971800" y="2895600"/>
+            <a:off x="2957274" y="2878996"/>
             <a:ext cx="4165600" cy="697771"/>
           </a:xfrm>
           <a:prstGeom prst="rect">
